--- a/report/img/demo2.pptx
+++ b/report/img/demo2.pptx
@@ -104,6 +104,11 @@
       </a:defRPr>
     </a:lvl9pPr>
   </p:defaultTextStyle>
+  <p:extLst>
+    <p:ext uri="{EFAFB233-063F-42B5-8137-9DF3F51BA10A}">
+      <p15:sldGuideLst xmlns:p15="http://schemas.microsoft.com/office/powerpoint/2012/main"/>
+    </p:ext>
+  </p:extLst>
 </p:presentation>
 </file>
 
@@ -3321,62 +3326,12 @@
           <a:chExt cx="0" cy="0"/>
         </a:xfrm>
       </p:grpSpPr>
-      <p:sp>
-        <p:nvSpPr>
-          <p:cNvPr id="2" name="标题 1">
-            <a:extLst>
-              <a:ext uri="{FF2B5EF4-FFF2-40B4-BE49-F238E27FC236}">
-                <a16:creationId xmlns:a16="http://schemas.microsoft.com/office/drawing/2014/main" id="{C39969F8-135F-4BED-8AFF-39FC53675A74}"/>
-              </a:ext>
-            </a:extLst>
-          </p:cNvPr>
-          <p:cNvSpPr>
-            <a:spLocks noGrp="1"/>
-          </p:cNvSpPr>
-          <p:nvPr>
-            <p:ph type="ctrTitle"/>
-          </p:nvPr>
-        </p:nvSpPr>
-        <p:spPr/>
-        <p:txBody>
-          <a:bodyPr/>
-          <a:lstStyle/>
-          <a:p>
-            <a:endParaRPr lang="zh-CN" altLang="en-US"/>
-          </a:p>
-        </p:txBody>
-      </p:sp>
-      <p:sp>
-        <p:nvSpPr>
-          <p:cNvPr id="3" name="副标题 2">
-            <a:extLst>
-              <a:ext uri="{FF2B5EF4-FFF2-40B4-BE49-F238E27FC236}">
-                <a16:creationId xmlns:a16="http://schemas.microsoft.com/office/drawing/2014/main" id="{BA37ADB2-2A2A-4FAF-85E9-945EB2406F26}"/>
-              </a:ext>
-            </a:extLst>
-          </p:cNvPr>
-          <p:cNvSpPr>
-            <a:spLocks noGrp="1"/>
-          </p:cNvSpPr>
-          <p:nvPr>
-            <p:ph type="subTitle" idx="1"/>
-          </p:nvPr>
-        </p:nvSpPr>
-        <p:spPr/>
-        <p:txBody>
-          <a:bodyPr/>
-          <a:lstStyle/>
-          <a:p>
-            <a:endParaRPr lang="zh-CN" altLang="en-US"/>
-          </a:p>
-        </p:txBody>
-      </p:sp>
       <p:pic>
         <p:nvPicPr>
-          <p:cNvPr id="5" name="图片 4" descr="女人穿着绿色的衣服&#10;&#10;描述已自动生成">
-            <a:extLst>
-              <a:ext uri="{FF2B5EF4-FFF2-40B4-BE49-F238E27FC236}">
-                <a16:creationId xmlns:a16="http://schemas.microsoft.com/office/drawing/2014/main" id="{5B56A123-E56E-4281-AA93-C025FB4E5795}"/>
+          <p:cNvPr id="8" name="图片 7" descr="卡通人物&#10;&#10;低可信度描述已自动生成">
+            <a:extLst>
+              <a:ext uri="{FF2B5EF4-FFF2-40B4-BE49-F238E27FC236}">
+                <a16:creationId xmlns:a16="http://schemas.microsoft.com/office/drawing/2014/main" id="{00F89C50-DE8A-4F56-B964-7F7A42472E24}"/>
               </a:ext>
             </a:extLst>
           </p:cNvPr>
@@ -3409,10 +3364,10 @@
       </p:pic>
       <p:pic>
         <p:nvPicPr>
-          <p:cNvPr id="6" name="图片 5" descr="女人穿着绿色的衣服&#10;&#10;描述已自动生成">
-            <a:extLst>
-              <a:ext uri="{FF2B5EF4-FFF2-40B4-BE49-F238E27FC236}">
-                <a16:creationId xmlns:a16="http://schemas.microsoft.com/office/drawing/2014/main" id="{4F4F4071-C876-4902-A2A1-6EF641B44804}"/>
+          <p:cNvPr id="9" name="图片 8" descr="卡通人物&#10;&#10;低可信度描述已自动生成">
+            <a:extLst>
+              <a:ext uri="{FF2B5EF4-FFF2-40B4-BE49-F238E27FC236}">
+                <a16:creationId xmlns:a16="http://schemas.microsoft.com/office/drawing/2014/main" id="{B5531244-4CED-4AA9-9AE9-DD867F91642A}"/>
               </a:ext>
             </a:extLst>
           </p:cNvPr>
@@ -3445,10 +3400,10 @@
       </p:pic>
       <p:pic>
         <p:nvPicPr>
-          <p:cNvPr id="7" name="图片 6" descr="女人穿着绿色的衣服&#10;&#10;描述已自动生成">
-            <a:extLst>
-              <a:ext uri="{FF2B5EF4-FFF2-40B4-BE49-F238E27FC236}">
-                <a16:creationId xmlns:a16="http://schemas.microsoft.com/office/drawing/2014/main" id="{B0E8C124-2748-4340-AE65-C09E01A6A585}"/>
+          <p:cNvPr id="10" name="图片 9" descr="卡通人物&#10;&#10;低可信度描述已自动生成">
+            <a:extLst>
+              <a:ext uri="{FF2B5EF4-FFF2-40B4-BE49-F238E27FC236}">
+                <a16:creationId xmlns:a16="http://schemas.microsoft.com/office/drawing/2014/main" id="{30602A60-07EA-46E5-81E1-BD9A567D4DB8}"/>
               </a:ext>
             </a:extLst>
           </p:cNvPr>
